--- a/docs/app_dataflow.pptx
+++ b/docs/app_dataflow.pptx
@@ -104,6 +104,11 @@
       </a:defRPr>
     </a:lvl9pPr>
   </p:defaultTextStyle>
+  <p:extLst>
+    <p:ext uri="{EFAFB233-063F-42B5-8137-9DF3F51BA10A}">
+      <p15:sldGuideLst xmlns:p15="http://schemas.microsoft.com/office/powerpoint/2012/main"/>
+    </p:ext>
+  </p:extLst>
 </p:presentation>
 </file>
 
@@ -238,7 +243,7 @@
           <a:p>
             <a:fld id="{C49DE412-E8AA-4485-94A1-F9486568A25D}" type="datetimeFigureOut">
               <a:rPr lang="th-TH" smtClean="0"/>
-              <a:t>01/02/66</a:t>
+              <a:t>22/02/66</a:t>
             </a:fld>
             <a:endParaRPr lang="th-TH"/>
           </a:p>
@@ -408,7 +413,7 @@
           <a:p>
             <a:fld id="{C49DE412-E8AA-4485-94A1-F9486568A25D}" type="datetimeFigureOut">
               <a:rPr lang="th-TH" smtClean="0"/>
-              <a:t>01/02/66</a:t>
+              <a:t>22/02/66</a:t>
             </a:fld>
             <a:endParaRPr lang="th-TH"/>
           </a:p>
@@ -588,7 +593,7 @@
           <a:p>
             <a:fld id="{C49DE412-E8AA-4485-94A1-F9486568A25D}" type="datetimeFigureOut">
               <a:rPr lang="th-TH" smtClean="0"/>
-              <a:t>01/02/66</a:t>
+              <a:t>22/02/66</a:t>
             </a:fld>
             <a:endParaRPr lang="th-TH"/>
           </a:p>
@@ -758,7 +763,7 @@
           <a:p>
             <a:fld id="{C49DE412-E8AA-4485-94A1-F9486568A25D}" type="datetimeFigureOut">
               <a:rPr lang="th-TH" smtClean="0"/>
-              <a:t>01/02/66</a:t>
+              <a:t>22/02/66</a:t>
             </a:fld>
             <a:endParaRPr lang="th-TH"/>
           </a:p>
@@ -1004,7 +1009,7 @@
           <a:p>
             <a:fld id="{C49DE412-E8AA-4485-94A1-F9486568A25D}" type="datetimeFigureOut">
               <a:rPr lang="th-TH" smtClean="0"/>
-              <a:t>01/02/66</a:t>
+              <a:t>22/02/66</a:t>
             </a:fld>
             <a:endParaRPr lang="th-TH"/>
           </a:p>
@@ -1236,7 +1241,7 @@
           <a:p>
             <a:fld id="{C49DE412-E8AA-4485-94A1-F9486568A25D}" type="datetimeFigureOut">
               <a:rPr lang="th-TH" smtClean="0"/>
-              <a:t>01/02/66</a:t>
+              <a:t>22/02/66</a:t>
             </a:fld>
             <a:endParaRPr lang="th-TH"/>
           </a:p>
@@ -1603,7 +1608,7 @@
           <a:p>
             <a:fld id="{C49DE412-E8AA-4485-94A1-F9486568A25D}" type="datetimeFigureOut">
               <a:rPr lang="th-TH" smtClean="0"/>
-              <a:t>01/02/66</a:t>
+              <a:t>22/02/66</a:t>
             </a:fld>
             <a:endParaRPr lang="th-TH"/>
           </a:p>
@@ -1721,7 +1726,7 @@
           <a:p>
             <a:fld id="{C49DE412-E8AA-4485-94A1-F9486568A25D}" type="datetimeFigureOut">
               <a:rPr lang="th-TH" smtClean="0"/>
-              <a:t>01/02/66</a:t>
+              <a:t>22/02/66</a:t>
             </a:fld>
             <a:endParaRPr lang="th-TH"/>
           </a:p>
@@ -1816,7 +1821,7 @@
           <a:p>
             <a:fld id="{C49DE412-E8AA-4485-94A1-F9486568A25D}" type="datetimeFigureOut">
               <a:rPr lang="th-TH" smtClean="0"/>
-              <a:t>01/02/66</a:t>
+              <a:t>22/02/66</a:t>
             </a:fld>
             <a:endParaRPr lang="th-TH"/>
           </a:p>
@@ -2093,7 +2098,7 @@
           <a:p>
             <a:fld id="{C49DE412-E8AA-4485-94A1-F9486568A25D}" type="datetimeFigureOut">
               <a:rPr lang="th-TH" smtClean="0"/>
-              <a:t>01/02/66</a:t>
+              <a:t>22/02/66</a:t>
             </a:fld>
             <a:endParaRPr lang="th-TH"/>
           </a:p>
@@ -2346,7 +2351,7 @@
           <a:p>
             <a:fld id="{C49DE412-E8AA-4485-94A1-F9486568A25D}" type="datetimeFigureOut">
               <a:rPr lang="th-TH" smtClean="0"/>
-              <a:t>01/02/66</a:t>
+              <a:t>22/02/66</a:t>
             </a:fld>
             <a:endParaRPr lang="th-TH"/>
           </a:p>
@@ -2559,7 +2564,7 @@
           <a:p>
             <a:fld id="{C49DE412-E8AA-4485-94A1-F9486568A25D}" type="datetimeFigureOut">
               <a:rPr lang="th-TH" smtClean="0"/>
-              <a:t>01/02/66</a:t>
+              <a:t>22/02/66</a:t>
             </a:fld>
             <a:endParaRPr lang="th-TH"/>
           </a:p>
@@ -2978,6 +2983,9 @@
           <a:prstGeom prst="rightArrow">
             <a:avLst/>
           </a:prstGeom>
+          <a:solidFill>
+            <a:srgbClr val="FF0000"/>
+          </a:solidFill>
         </p:spPr>
         <p:style>
           <a:lnRef idx="2">
@@ -3030,6 +3038,11 @@
           <a:prstGeom prst="rect">
             <a:avLst/>
           </a:prstGeom>
+          <a:solidFill>
+            <a:schemeClr val="accent6">
+              <a:lumMod val="75000"/>
+            </a:schemeClr>
+          </a:solidFill>
         </p:spPr>
         <p:style>
           <a:lnRef idx="2">
@@ -3082,6 +3095,11 @@
           <a:prstGeom prst="rightArrow">
             <a:avLst/>
           </a:prstGeom>
+          <a:solidFill>
+            <a:schemeClr val="accent6">
+              <a:lumMod val="75000"/>
+            </a:schemeClr>
+          </a:solidFill>
         </p:spPr>
         <p:style>
           <a:lnRef idx="2">
@@ -3134,6 +3152,11 @@
           <a:prstGeom prst="rightArrow">
             <a:avLst/>
           </a:prstGeom>
+          <a:solidFill>
+            <a:schemeClr val="accent6">
+              <a:lumMod val="75000"/>
+            </a:schemeClr>
+          </a:solidFill>
         </p:spPr>
         <p:style>
           <a:lnRef idx="2">
@@ -3186,6 +3209,9 @@
           <a:prstGeom prst="rect">
             <a:avLst/>
           </a:prstGeom>
+          <a:solidFill>
+            <a:schemeClr val="accent4"/>
+          </a:solidFill>
           <a:ln w="19050">
             <a:solidFill>
               <a:schemeClr val="accent6">
@@ -3245,6 +3271,11 @@
           <a:prstGeom prst="rect">
             <a:avLst/>
           </a:prstGeom>
+          <a:solidFill>
+            <a:schemeClr val="accent6">
+              <a:lumMod val="75000"/>
+            </a:schemeClr>
+          </a:solidFill>
           <a:ln w="19050">
             <a:solidFill>
               <a:schemeClr val="accent6">
@@ -3304,6 +3335,11 @@
           <a:prstGeom prst="rightArrow">
             <a:avLst/>
           </a:prstGeom>
+          <a:solidFill>
+            <a:schemeClr val="accent6">
+              <a:lumMod val="75000"/>
+            </a:schemeClr>
+          </a:solidFill>
         </p:spPr>
         <p:style>
           <a:lnRef idx="2">
